--- a/javaWorks/자료/java_ppt/8장.상속과 다형성.pptx
+++ b/javaWorks/자료/java_ppt/8장.상속과 다형성.pptx
@@ -167,7 +167,7 @@
   </p:defaultTextStyle>
   <p:extLst>
     <p:ext uri="{EFAFB233-063F-42B5-8137-9DF3F51BA10A}">
-      <p15:sldGuideLst xmlns:p15="http://schemas.microsoft.com/office/powerpoint/2012/main" xmlns="">
+      <p15:sldGuideLst xmlns:p15="http://schemas.microsoft.com/office/powerpoint/2012/main">
         <p15:guide id="1" orient="horz" pos="2160">
           <p15:clr>
             <a:srgbClr val="A4A3A4"/>
@@ -266,7 +266,7 @@
           <a:p>
             <a:fld id="{7665CDAC-D627-4E87-877A-1B781DD4CADC}" type="datetimeFigureOut">
               <a:rPr lang="ko-KR" altLang="en-US" smtClean="0"/>
-              <a:t>2022-07-04</a:t>
+              <a:t>2023-05-23</a:t>
             </a:fld>
             <a:endParaRPr lang="ko-KR" altLang="en-US"/>
           </a:p>
@@ -804,7 +804,7 @@
           <a:p>
             <a:fld id="{F4AC81B4-D91A-4578-85B3-829E63FCFE17}" type="datetime1">
               <a:rPr lang="ko-KR" altLang="en-US" smtClean="0"/>
-              <a:t>2022-07-04</a:t>
+              <a:t>2023-05-23</a:t>
             </a:fld>
             <a:endParaRPr lang="ko-KR" altLang="en-US"/>
           </a:p>
@@ -1179,7 +1179,7 @@
           <a:p>
             <a:fld id="{F5B77542-37E5-48F2-BAE7-80CC6B0EB6A3}" type="datetime1">
               <a:rPr lang="ko-KR" altLang="en-US" smtClean="0"/>
-              <a:t>2022-07-04</a:t>
+              <a:t>2023-05-23</a:t>
             </a:fld>
             <a:endParaRPr lang="ko-KR" altLang="en-US"/>
           </a:p>
@@ -1359,7 +1359,7 @@
           <a:p>
             <a:fld id="{227CF174-B5AC-4A98-B673-0BE8126D3F27}" type="datetime1">
               <a:rPr lang="ko-KR" altLang="en-US" smtClean="0"/>
-              <a:t>2022-07-04</a:t>
+              <a:t>2023-05-23</a:t>
             </a:fld>
             <a:endParaRPr lang="ko-KR" altLang="en-US"/>
           </a:p>
@@ -1533,7 +1533,7 @@
           <a:p>
             <a:fld id="{E20FDEC8-1339-42E8-9704-2977280C2FD3}" type="datetime1">
               <a:rPr lang="ko-KR" altLang="en-US" smtClean="0"/>
-              <a:t>2022-07-04</a:t>
+              <a:t>2023-05-23</a:t>
             </a:fld>
             <a:endParaRPr lang="ko-KR" altLang="en-US"/>
           </a:p>
@@ -1779,7 +1779,7 @@
           <a:p>
             <a:fld id="{4D18DC76-A282-4817-B790-197F054E1215}" type="datetime1">
               <a:rPr lang="ko-KR" altLang="en-US" smtClean="0"/>
-              <a:t>2022-07-04</a:t>
+              <a:t>2023-05-23</a:t>
             </a:fld>
             <a:endParaRPr lang="ko-KR" altLang="en-US"/>
           </a:p>
@@ -2067,7 +2067,7 @@
           <a:p>
             <a:fld id="{6680AA6C-13D8-43E4-90F0-E6C88A2B9F16}" type="datetime1">
               <a:rPr lang="ko-KR" altLang="en-US" smtClean="0"/>
-              <a:t>2022-07-04</a:t>
+              <a:t>2023-05-23</a:t>
             </a:fld>
             <a:endParaRPr lang="ko-KR" altLang="en-US"/>
           </a:p>
@@ -2489,7 +2489,7 @@
           <a:p>
             <a:fld id="{3EF5B03B-20CC-436E-8601-C933C6C1F4A6}" type="datetime1">
               <a:rPr lang="ko-KR" altLang="en-US" smtClean="0"/>
-              <a:t>2022-07-04</a:t>
+              <a:t>2023-05-23</a:t>
             </a:fld>
             <a:endParaRPr lang="ko-KR" altLang="en-US"/>
           </a:p>
@@ -2607,7 +2607,7 @@
           <a:p>
             <a:fld id="{87B5A15D-8B08-482F-AB47-E416EC355EB6}" type="datetime1">
               <a:rPr lang="ko-KR" altLang="en-US" smtClean="0"/>
-              <a:t>2022-07-04</a:t>
+              <a:t>2023-05-23</a:t>
             </a:fld>
             <a:endParaRPr lang="ko-KR" altLang="en-US"/>
           </a:p>
@@ -2702,7 +2702,7 @@
           <a:p>
             <a:fld id="{A877D7F8-7B64-44F8-A411-CBD22F28CBFF}" type="datetime1">
               <a:rPr lang="ko-KR" altLang="en-US" smtClean="0"/>
-              <a:t>2022-07-04</a:t>
+              <a:t>2023-05-23</a:t>
             </a:fld>
             <a:endParaRPr lang="ko-KR" altLang="en-US"/>
           </a:p>
@@ -2979,7 +2979,7 @@
           <a:p>
             <a:fld id="{E12DBD9B-2BB6-4D1F-BCB4-1E48829C93C3}" type="datetime1">
               <a:rPr lang="ko-KR" altLang="en-US" smtClean="0"/>
-              <a:t>2022-07-04</a:t>
+              <a:t>2023-05-23</a:t>
             </a:fld>
             <a:endParaRPr lang="ko-KR" altLang="en-US"/>
           </a:p>
@@ -3232,7 +3232,7 @@
           <a:p>
             <a:fld id="{17564C48-0CD7-40EB-BE64-BBF4DB8C56AF}" type="datetime1">
               <a:rPr lang="ko-KR" altLang="en-US" smtClean="0"/>
-              <a:t>2022-07-04</a:t>
+              <a:t>2023-05-23</a:t>
             </a:fld>
             <a:endParaRPr lang="ko-KR" altLang="en-US"/>
           </a:p>
@@ -3412,7 +3412,7 @@
           <a:p>
             <a:fld id="{C116BCB4-B68B-4638-8167-F4BDC0A30DA1}" type="datetime1">
               <a:rPr lang="ko-KR" altLang="en-US" smtClean="0"/>
-              <a:t>2022-07-04</a:t>
+              <a:t>2023-05-23</a:t>
             </a:fld>
             <a:endParaRPr lang="ko-KR" altLang="en-US"/>
           </a:p>
@@ -4264,7 +4264,7 @@
           <p:cNvPr id="7" name="내용 개체 틀 2">
             <a:extLst>
               <a:ext uri="{FF2B5EF4-FFF2-40B4-BE49-F238E27FC236}">
-                <a16:creationId xmlns="" xmlns:a16="http://schemas.microsoft.com/office/drawing/2014/main" id="{98AF3A4E-7D90-4241-89FE-799D6F9D5A94}"/>
+                <a16:creationId xmlns:a16="http://schemas.microsoft.com/office/drawing/2014/main" id="{98AF3A4E-7D90-4241-89FE-799D6F9D5A94}"/>
               </a:ext>
             </a:extLst>
           </p:cNvPr>
@@ -4640,7 +4640,7 @@
             <p:cNvPr id="23" name="이등변 삼각형 22">
               <a:extLst>
                 <a:ext uri="{FF2B5EF4-FFF2-40B4-BE49-F238E27FC236}">
-                  <a16:creationId xmlns:a16="http://schemas.microsoft.com/office/drawing/2014/main" xmlns="" id="{A928C65B-0F62-4DFC-9220-DF40E5958238}"/>
+                  <a16:creationId xmlns:a16="http://schemas.microsoft.com/office/drawing/2014/main" id="{A928C65B-0F62-4DFC-9220-DF40E5958238}"/>
                 </a:ext>
               </a:extLst>
             </p:cNvPr>
@@ -4684,7 +4684,7 @@
             <p:cNvPr id="24" name="직선 연결선 23">
               <a:extLst>
                 <a:ext uri="{FF2B5EF4-FFF2-40B4-BE49-F238E27FC236}">
-                  <a16:creationId xmlns:a16="http://schemas.microsoft.com/office/drawing/2014/main" xmlns="" id="{D15E6F92-B9C8-4563-8C4E-646F583209B9}"/>
+                  <a16:creationId xmlns:a16="http://schemas.microsoft.com/office/drawing/2014/main" id="{D15E6F92-B9C8-4563-8C4E-646F583209B9}"/>
                 </a:ext>
               </a:extLst>
             </p:cNvPr>
@@ -5208,7 +5208,7 @@
           <p:cNvPr id="7" name="내용 개체 틀 2">
             <a:extLst>
               <a:ext uri="{FF2B5EF4-FFF2-40B4-BE49-F238E27FC236}">
-                <a16:creationId xmlns="" xmlns:a16="http://schemas.microsoft.com/office/drawing/2014/main" id="{98AF3A4E-7D90-4241-89FE-799D6F9D5A94}"/>
+                <a16:creationId xmlns:a16="http://schemas.microsoft.com/office/drawing/2014/main" id="{98AF3A4E-7D90-4241-89FE-799D6F9D5A94}"/>
               </a:ext>
             </a:extLst>
           </p:cNvPr>
@@ -5554,7 +5554,7 @@
           <p:cNvPr id="7" name="내용 개체 틀 2">
             <a:extLst>
               <a:ext uri="{FF2B5EF4-FFF2-40B4-BE49-F238E27FC236}">
-                <a16:creationId xmlns="" xmlns:a16="http://schemas.microsoft.com/office/drawing/2014/main" id="{98AF3A4E-7D90-4241-89FE-799D6F9D5A94}"/>
+                <a16:creationId xmlns:a16="http://schemas.microsoft.com/office/drawing/2014/main" id="{98AF3A4E-7D90-4241-89FE-799D6F9D5A94}"/>
               </a:ext>
             </a:extLst>
           </p:cNvPr>
@@ -5949,7 +5949,7 @@
           <p:cNvPr id="7" name="내용 개체 틀 2">
             <a:extLst>
               <a:ext uri="{FF2B5EF4-FFF2-40B4-BE49-F238E27FC236}">
-                <a16:creationId xmlns="" xmlns:a16="http://schemas.microsoft.com/office/drawing/2014/main" id="{98AF3A4E-7D90-4241-89FE-799D6F9D5A94}"/>
+                <a16:creationId xmlns:a16="http://schemas.microsoft.com/office/drawing/2014/main" id="{98AF3A4E-7D90-4241-89FE-799D6F9D5A94}"/>
               </a:ext>
             </a:extLst>
           </p:cNvPr>
@@ -6486,7 +6486,7 @@
           <p:cNvPr id="7" name="내용 개체 틀 2">
             <a:extLst>
               <a:ext uri="{FF2B5EF4-FFF2-40B4-BE49-F238E27FC236}">
-                <a16:creationId xmlns="" xmlns:a16="http://schemas.microsoft.com/office/drawing/2014/main" id="{98AF3A4E-7D90-4241-89FE-799D6F9D5A94}"/>
+                <a16:creationId xmlns:a16="http://schemas.microsoft.com/office/drawing/2014/main" id="{98AF3A4E-7D90-4241-89FE-799D6F9D5A94}"/>
               </a:ext>
             </a:extLst>
           </p:cNvPr>
@@ -7147,7 +7147,7 @@
           <p:cNvPr id="7" name="내용 개체 틀 2">
             <a:extLst>
               <a:ext uri="{FF2B5EF4-FFF2-40B4-BE49-F238E27FC236}">
-                <a16:creationId xmlns="" xmlns:a16="http://schemas.microsoft.com/office/drawing/2014/main" id="{98AF3A4E-7D90-4241-89FE-799D6F9D5A94}"/>
+                <a16:creationId xmlns:a16="http://schemas.microsoft.com/office/drawing/2014/main" id="{98AF3A4E-7D90-4241-89FE-799D6F9D5A94}"/>
               </a:ext>
             </a:extLst>
           </p:cNvPr>
@@ -7536,7 +7536,7 @@
             <p:cNvPr id="23" name="이등변 삼각형 22">
               <a:extLst>
                 <a:ext uri="{FF2B5EF4-FFF2-40B4-BE49-F238E27FC236}">
-                  <a16:creationId xmlns:a16="http://schemas.microsoft.com/office/drawing/2014/main" xmlns="" id="{A928C65B-0F62-4DFC-9220-DF40E5958238}"/>
+                  <a16:creationId xmlns:a16="http://schemas.microsoft.com/office/drawing/2014/main" id="{A928C65B-0F62-4DFC-9220-DF40E5958238}"/>
                 </a:ext>
               </a:extLst>
             </p:cNvPr>
@@ -7580,7 +7580,7 @@
             <p:cNvPr id="24" name="직선 연결선 23">
               <a:extLst>
                 <a:ext uri="{FF2B5EF4-FFF2-40B4-BE49-F238E27FC236}">
-                  <a16:creationId xmlns:a16="http://schemas.microsoft.com/office/drawing/2014/main" xmlns="" id="{D15E6F92-B9C8-4563-8C4E-646F583209B9}"/>
+                  <a16:creationId xmlns:a16="http://schemas.microsoft.com/office/drawing/2014/main" id="{D15E6F92-B9C8-4563-8C4E-646F583209B9}"/>
                 </a:ext>
               </a:extLst>
             </p:cNvPr>
@@ -8084,7 +8084,7 @@
           <p:cNvPr id="7" name="내용 개체 틀 2">
             <a:extLst>
               <a:ext uri="{FF2B5EF4-FFF2-40B4-BE49-F238E27FC236}">
-                <a16:creationId xmlns="" xmlns:a16="http://schemas.microsoft.com/office/drawing/2014/main" id="{98AF3A4E-7D90-4241-89FE-799D6F9D5A94}"/>
+                <a16:creationId xmlns:a16="http://schemas.microsoft.com/office/drawing/2014/main" id="{98AF3A4E-7D90-4241-89FE-799D6F9D5A94}"/>
               </a:ext>
             </a:extLst>
           </p:cNvPr>
@@ -8431,7 +8431,7 @@
           <p:cNvPr id="7" name="내용 개체 틀 2">
             <a:extLst>
               <a:ext uri="{FF2B5EF4-FFF2-40B4-BE49-F238E27FC236}">
-                <a16:creationId xmlns="" xmlns:a16="http://schemas.microsoft.com/office/drawing/2014/main" id="{98AF3A4E-7D90-4241-89FE-799D6F9D5A94}"/>
+                <a16:creationId xmlns:a16="http://schemas.microsoft.com/office/drawing/2014/main" id="{98AF3A4E-7D90-4241-89FE-799D6F9D5A94}"/>
               </a:ext>
             </a:extLst>
           </p:cNvPr>
@@ -8767,7 +8767,7 @@
           <p:cNvPr id="7" name="내용 개체 틀 2">
             <a:extLst>
               <a:ext uri="{FF2B5EF4-FFF2-40B4-BE49-F238E27FC236}">
-                <a16:creationId xmlns="" xmlns:a16="http://schemas.microsoft.com/office/drawing/2014/main" id="{98AF3A4E-7D90-4241-89FE-799D6F9D5A94}"/>
+                <a16:creationId xmlns:a16="http://schemas.microsoft.com/office/drawing/2014/main" id="{98AF3A4E-7D90-4241-89FE-799D6F9D5A94}"/>
               </a:ext>
             </a:extLst>
           </p:cNvPr>
@@ -9423,7 +9423,7 @@
           <p:cNvPr id="22" name="그룹 21">
             <a:extLst>
               <a:ext uri="{FF2B5EF4-FFF2-40B4-BE49-F238E27FC236}">
-                <a16:creationId xmlns:a16="http://schemas.microsoft.com/office/drawing/2014/main" xmlns="" id="{106C641F-1CDB-4B8D-B46C-A221C6864735}"/>
+                <a16:creationId xmlns:a16="http://schemas.microsoft.com/office/drawing/2014/main" id="{106C641F-1CDB-4B8D-B46C-A221C6864735}"/>
               </a:ext>
             </a:extLst>
           </p:cNvPr>
@@ -9443,7 +9443,7 @@
             <p:cNvPr id="23" name="이등변 삼각형 22">
               <a:extLst>
                 <a:ext uri="{FF2B5EF4-FFF2-40B4-BE49-F238E27FC236}">
-                  <a16:creationId xmlns:a16="http://schemas.microsoft.com/office/drawing/2014/main" xmlns="" id="{A928C65B-0F62-4DFC-9220-DF40E5958238}"/>
+                  <a16:creationId xmlns:a16="http://schemas.microsoft.com/office/drawing/2014/main" id="{A928C65B-0F62-4DFC-9220-DF40E5958238}"/>
                 </a:ext>
               </a:extLst>
             </p:cNvPr>
@@ -9490,7 +9490,7 @@
             <p:cNvPr id="24" name="직선 연결선 23">
               <a:extLst>
                 <a:ext uri="{FF2B5EF4-FFF2-40B4-BE49-F238E27FC236}">
-                  <a16:creationId xmlns:a16="http://schemas.microsoft.com/office/drawing/2014/main" xmlns="" id="{D15E6F92-B9C8-4563-8C4E-646F583209B9}"/>
+                  <a16:creationId xmlns:a16="http://schemas.microsoft.com/office/drawing/2014/main" id="{D15E6F92-B9C8-4563-8C4E-646F583209B9}"/>
                 </a:ext>
               </a:extLst>
             </p:cNvPr>
@@ -9877,7 +9877,7 @@
           <p:cNvPr id="7" name="내용 개체 틀 2">
             <a:extLst>
               <a:ext uri="{FF2B5EF4-FFF2-40B4-BE49-F238E27FC236}">
-                <a16:creationId xmlns="" xmlns:a16="http://schemas.microsoft.com/office/drawing/2014/main" id="{98AF3A4E-7D90-4241-89FE-799D6F9D5A94}"/>
+                <a16:creationId xmlns:a16="http://schemas.microsoft.com/office/drawing/2014/main" id="{98AF3A4E-7D90-4241-89FE-799D6F9D5A94}"/>
               </a:ext>
             </a:extLst>
           </p:cNvPr>
@@ -10203,7 +10203,7 @@
             <p:cNvPr id="23" name="이등변 삼각형 22">
               <a:extLst>
                 <a:ext uri="{FF2B5EF4-FFF2-40B4-BE49-F238E27FC236}">
-                  <a16:creationId xmlns:a16="http://schemas.microsoft.com/office/drawing/2014/main" xmlns="" id="{A928C65B-0F62-4DFC-9220-DF40E5958238}"/>
+                  <a16:creationId xmlns:a16="http://schemas.microsoft.com/office/drawing/2014/main" id="{A928C65B-0F62-4DFC-9220-DF40E5958238}"/>
                 </a:ext>
               </a:extLst>
             </p:cNvPr>
@@ -10247,7 +10247,7 @@
             <p:cNvPr id="24" name="직선 연결선 23">
               <a:extLst>
                 <a:ext uri="{FF2B5EF4-FFF2-40B4-BE49-F238E27FC236}">
-                  <a16:creationId xmlns:a16="http://schemas.microsoft.com/office/drawing/2014/main" xmlns="" id="{D15E6F92-B9C8-4563-8C4E-646F583209B9}"/>
+                  <a16:creationId xmlns:a16="http://schemas.microsoft.com/office/drawing/2014/main" id="{D15E6F92-B9C8-4563-8C4E-646F583209B9}"/>
                 </a:ext>
               </a:extLst>
             </p:cNvPr>
@@ -10607,7 +10607,7 @@
           <p:cNvPr id="7" name="내용 개체 틀 2">
             <a:extLst>
               <a:ext uri="{FF2B5EF4-FFF2-40B4-BE49-F238E27FC236}">
-                <a16:creationId xmlns="" xmlns:a16="http://schemas.microsoft.com/office/drawing/2014/main" id="{98AF3A4E-7D90-4241-89FE-799D6F9D5A94}"/>
+                <a16:creationId xmlns:a16="http://schemas.microsoft.com/office/drawing/2014/main" id="{98AF3A4E-7D90-4241-89FE-799D6F9D5A94}"/>
               </a:ext>
             </a:extLst>
           </p:cNvPr>
@@ -10990,8 +10990,20 @@
                 <a:tableStyleId>{5940675A-B579-460E-94D1-54222C63F5DA}</a:tableStyleId>
               </a:tblPr>
               <a:tblGrid>
-                <a:gridCol w="2640449"/>
-                <a:gridCol w="3624247"/>
+                <a:gridCol w="2640449">
+                  <a:extLst>
+                    <a:ext uri="{9D8B030D-6E8A-4147-A177-3AD203B41FA5}">
+                      <a16:colId xmlns:a16="http://schemas.microsoft.com/office/drawing/2014/main" val="20000"/>
+                    </a:ext>
+                  </a:extLst>
+                </a:gridCol>
+                <a:gridCol w="3624247">
+                  <a:extLst>
+                    <a:ext uri="{9D8B030D-6E8A-4147-A177-3AD203B41FA5}">
+                      <a16:colId xmlns:a16="http://schemas.microsoft.com/office/drawing/2014/main" val="20001"/>
+                    </a:ext>
+                  </a:extLst>
+                </a:gridCol>
               </a:tblGrid>
               <a:tr h="444776">
                 <a:tc>
@@ -11044,6 +11056,11 @@
                     </a:solidFill>
                   </a:tcPr>
                 </a:tc>
+                <a:extLst>
+                  <a:ext uri="{0D108BD9-81ED-4DB2-BD59-A6C34878D82A}">
+                    <a16:rowId xmlns:a16="http://schemas.microsoft.com/office/drawing/2014/main" val="10000"/>
+                  </a:ext>
+                </a:extLst>
               </a:tr>
               <a:tr h="444776">
                 <a:tc>
@@ -11108,6 +11125,11 @@
                     </a:lnR>
                   </a:tcPr>
                 </a:tc>
+                <a:extLst>
+                  <a:ext uri="{0D108BD9-81ED-4DB2-BD59-A6C34878D82A}">
+                    <a16:rowId xmlns:a16="http://schemas.microsoft.com/office/drawing/2014/main" val="10001"/>
+                  </a:ext>
+                </a:extLst>
               </a:tr>
               <a:tr h="444776">
                 <a:tc>
@@ -11172,6 +11194,11 @@
                     </a:lnR>
                   </a:tcPr>
                 </a:tc>
+                <a:extLst>
+                  <a:ext uri="{0D108BD9-81ED-4DB2-BD59-A6C34878D82A}">
+                    <a16:rowId xmlns:a16="http://schemas.microsoft.com/office/drawing/2014/main" val="10002"/>
+                  </a:ext>
+                </a:extLst>
               </a:tr>
               <a:tr h="444776">
                 <a:tc>
@@ -11236,6 +11263,11 @@
                     </a:lnR>
                   </a:tcPr>
                 </a:tc>
+                <a:extLst>
+                  <a:ext uri="{0D108BD9-81ED-4DB2-BD59-A6C34878D82A}">
+                    <a16:rowId xmlns:a16="http://schemas.microsoft.com/office/drawing/2014/main" val="10003"/>
+                  </a:ext>
+                </a:extLst>
               </a:tr>
               <a:tr h="444776">
                 <a:tc>
@@ -11324,6 +11356,11 @@
                     </a:lnR>
                   </a:tcPr>
                 </a:tc>
+                <a:extLst>
+                  <a:ext uri="{0D108BD9-81ED-4DB2-BD59-A6C34878D82A}">
+                    <a16:rowId xmlns:a16="http://schemas.microsoft.com/office/drawing/2014/main" val="10004"/>
+                  </a:ext>
+                </a:extLst>
               </a:tr>
               <a:tr h="444776">
                 <a:tc>
@@ -11400,6 +11437,11 @@
                     </a:lnR>
                   </a:tcPr>
                 </a:tc>
+                <a:extLst>
+                  <a:ext uri="{0D108BD9-81ED-4DB2-BD59-A6C34878D82A}">
+                    <a16:rowId xmlns:a16="http://schemas.microsoft.com/office/drawing/2014/main" val="10005"/>
+                  </a:ext>
+                </a:extLst>
               </a:tr>
             </a:tbl>
           </a:graphicData>
@@ -11497,7 +11539,7 @@
           <p:cNvPr id="7" name="내용 개체 틀 2">
             <a:extLst>
               <a:ext uri="{FF2B5EF4-FFF2-40B4-BE49-F238E27FC236}">
-                <a16:creationId xmlns="" xmlns:a16="http://schemas.microsoft.com/office/drawing/2014/main" id="{98AF3A4E-7D90-4241-89FE-799D6F9D5A94}"/>
+                <a16:creationId xmlns:a16="http://schemas.microsoft.com/office/drawing/2014/main" id="{98AF3A4E-7D90-4241-89FE-799D6F9D5A94}"/>
               </a:ext>
             </a:extLst>
           </p:cNvPr>
@@ -11985,7 +12027,7 @@
           <p:cNvPr id="7" name="내용 개체 틀 2">
             <a:extLst>
               <a:ext uri="{FF2B5EF4-FFF2-40B4-BE49-F238E27FC236}">
-                <a16:creationId xmlns="" xmlns:a16="http://schemas.microsoft.com/office/drawing/2014/main" id="{98AF3A4E-7D90-4241-89FE-799D6F9D5A94}"/>
+                <a16:creationId xmlns:a16="http://schemas.microsoft.com/office/drawing/2014/main" id="{98AF3A4E-7D90-4241-89FE-799D6F9D5A94}"/>
               </a:ext>
             </a:extLst>
           </p:cNvPr>
@@ -12358,7 +12400,7 @@
           <p:cNvPr id="7" name="내용 개체 틀 2">
             <a:extLst>
               <a:ext uri="{FF2B5EF4-FFF2-40B4-BE49-F238E27FC236}">
-                <a16:creationId xmlns="" xmlns:a16="http://schemas.microsoft.com/office/drawing/2014/main" id="{98AF3A4E-7D90-4241-89FE-799D6F9D5A94}"/>
+                <a16:creationId xmlns:a16="http://schemas.microsoft.com/office/drawing/2014/main" id="{98AF3A4E-7D90-4241-89FE-799D6F9D5A94}"/>
               </a:ext>
             </a:extLst>
           </p:cNvPr>
@@ -12930,7 +12972,7 @@
           <p:cNvPr id="7" name="내용 개체 틀 2">
             <a:extLst>
               <a:ext uri="{FF2B5EF4-FFF2-40B4-BE49-F238E27FC236}">
-                <a16:creationId xmlns="" xmlns:a16="http://schemas.microsoft.com/office/drawing/2014/main" id="{98AF3A4E-7D90-4241-89FE-799D6F9D5A94}"/>
+                <a16:creationId xmlns:a16="http://schemas.microsoft.com/office/drawing/2014/main" id="{98AF3A4E-7D90-4241-89FE-799D6F9D5A94}"/>
               </a:ext>
             </a:extLst>
           </p:cNvPr>
@@ -13299,7 +13341,7 @@
           <p:cNvPr id="7" name="내용 개체 틀 2">
             <a:extLst>
               <a:ext uri="{FF2B5EF4-FFF2-40B4-BE49-F238E27FC236}">
-                <a16:creationId xmlns="" xmlns:a16="http://schemas.microsoft.com/office/drawing/2014/main" id="{98AF3A4E-7D90-4241-89FE-799D6F9D5A94}"/>
+                <a16:creationId xmlns:a16="http://schemas.microsoft.com/office/drawing/2014/main" id="{98AF3A4E-7D90-4241-89FE-799D6F9D5A94}"/>
               </a:ext>
             </a:extLst>
           </p:cNvPr>
@@ -13668,7 +13710,7 @@
           <p:cNvPr id="7" name="내용 개체 틀 2">
             <a:extLst>
               <a:ext uri="{FF2B5EF4-FFF2-40B4-BE49-F238E27FC236}">
-                <a16:creationId xmlns="" xmlns:a16="http://schemas.microsoft.com/office/drawing/2014/main" id="{98AF3A4E-7D90-4241-89FE-799D6F9D5A94}"/>
+                <a16:creationId xmlns:a16="http://schemas.microsoft.com/office/drawing/2014/main" id="{98AF3A4E-7D90-4241-89FE-799D6F9D5A94}"/>
               </a:ext>
             </a:extLst>
           </p:cNvPr>
@@ -14271,7 +14313,7 @@
           <p:cNvPr id="7" name="내용 개체 틀 2">
             <a:extLst>
               <a:ext uri="{FF2B5EF4-FFF2-40B4-BE49-F238E27FC236}">
-                <a16:creationId xmlns="" xmlns:a16="http://schemas.microsoft.com/office/drawing/2014/main" id="{98AF3A4E-7D90-4241-89FE-799D6F9D5A94}"/>
+                <a16:creationId xmlns:a16="http://schemas.microsoft.com/office/drawing/2014/main" id="{98AF3A4E-7D90-4241-89FE-799D6F9D5A94}"/>
               </a:ext>
             </a:extLst>
           </p:cNvPr>
@@ -14729,7 +14771,7 @@
           <p:cNvPr id="22" name="그룹 21">
             <a:extLst>
               <a:ext uri="{FF2B5EF4-FFF2-40B4-BE49-F238E27FC236}">
-                <a16:creationId xmlns:a16="http://schemas.microsoft.com/office/drawing/2014/main" xmlns="" id="{106C641F-1CDB-4B8D-B46C-A221C6864735}"/>
+                <a16:creationId xmlns:a16="http://schemas.microsoft.com/office/drawing/2014/main" id="{106C641F-1CDB-4B8D-B46C-A221C6864735}"/>
               </a:ext>
             </a:extLst>
           </p:cNvPr>
@@ -14749,7 +14791,7 @@
             <p:cNvPr id="23" name="이등변 삼각형 22">
               <a:extLst>
                 <a:ext uri="{FF2B5EF4-FFF2-40B4-BE49-F238E27FC236}">
-                  <a16:creationId xmlns:a16="http://schemas.microsoft.com/office/drawing/2014/main" xmlns="" id="{A928C65B-0F62-4DFC-9220-DF40E5958238}"/>
+                  <a16:creationId xmlns:a16="http://schemas.microsoft.com/office/drawing/2014/main" id="{A928C65B-0F62-4DFC-9220-DF40E5958238}"/>
                 </a:ext>
               </a:extLst>
             </p:cNvPr>
@@ -14796,7 +14838,7 @@
             <p:cNvPr id="24" name="직선 연결선 23">
               <a:extLst>
                 <a:ext uri="{FF2B5EF4-FFF2-40B4-BE49-F238E27FC236}">
-                  <a16:creationId xmlns:a16="http://schemas.microsoft.com/office/drawing/2014/main" xmlns="" id="{D15E6F92-B9C8-4563-8C4E-646F583209B9}"/>
+                  <a16:creationId xmlns:a16="http://schemas.microsoft.com/office/drawing/2014/main" id="{D15E6F92-B9C8-4563-8C4E-646F583209B9}"/>
                 </a:ext>
               </a:extLst>
             </p:cNvPr>
@@ -16876,7 +16918,7 @@
           <p:cNvPr id="10" name="내용 개체 틀 2">
             <a:extLst>
               <a:ext uri="{FF2B5EF4-FFF2-40B4-BE49-F238E27FC236}">
-                <a16:creationId xmlns="" xmlns:a16="http://schemas.microsoft.com/office/drawing/2014/main" id="{98AF3A4E-7D90-4241-89FE-799D6F9D5A94}"/>
+                <a16:creationId xmlns:a16="http://schemas.microsoft.com/office/drawing/2014/main" id="{98AF3A4E-7D90-4241-89FE-799D6F9D5A94}"/>
               </a:ext>
             </a:extLst>
           </p:cNvPr>
@@ -18325,7 +18367,7 @@
           <p:cNvPr id="9" name="내용 개체 틀 2">
             <a:extLst>
               <a:ext uri="{FF2B5EF4-FFF2-40B4-BE49-F238E27FC236}">
-                <a16:creationId xmlns:a16="http://schemas.microsoft.com/office/drawing/2014/main" xmlns="" id="{98AF3A4E-7D90-4241-89FE-799D6F9D5A94}"/>
+                <a16:creationId xmlns:a16="http://schemas.microsoft.com/office/drawing/2014/main" id="{98AF3A4E-7D90-4241-89FE-799D6F9D5A94}"/>
               </a:ext>
             </a:extLst>
           </p:cNvPr>
@@ -18721,7 +18763,7 @@
           <p:cNvPr id="7" name="내용 개체 틀 2">
             <a:extLst>
               <a:ext uri="{FF2B5EF4-FFF2-40B4-BE49-F238E27FC236}">
-                <a16:creationId xmlns:a16="http://schemas.microsoft.com/office/drawing/2014/main" xmlns="" id="{98AF3A4E-7D90-4241-89FE-799D6F9D5A94}"/>
+                <a16:creationId xmlns:a16="http://schemas.microsoft.com/office/drawing/2014/main" id="{98AF3A4E-7D90-4241-89FE-799D6F9D5A94}"/>
               </a:ext>
             </a:extLst>
           </p:cNvPr>
@@ -19099,7 +19141,7 @@
           <p:cNvPr id="10" name="내용 개체 틀 2">
             <a:extLst>
               <a:ext uri="{FF2B5EF4-FFF2-40B4-BE49-F238E27FC236}">
-                <a16:creationId xmlns:a16="http://schemas.microsoft.com/office/drawing/2014/main" xmlns="" id="{98AF3A4E-7D90-4241-89FE-799D6F9D5A94}"/>
+                <a16:creationId xmlns:a16="http://schemas.microsoft.com/office/drawing/2014/main" id="{98AF3A4E-7D90-4241-89FE-799D6F9D5A94}"/>
               </a:ext>
             </a:extLst>
           </p:cNvPr>
@@ -19543,7 +19585,7 @@
               <p:cNvPr id="12" name="이등변 삼각형 11">
                 <a:extLst>
                   <a:ext uri="{FF2B5EF4-FFF2-40B4-BE49-F238E27FC236}">
-                    <a16:creationId xmlns="" xmlns:a16="http://schemas.microsoft.com/office/drawing/2014/main" id="{A928C65B-0F62-4DFC-9220-DF40E5958238}"/>
+                    <a16:creationId xmlns:a16="http://schemas.microsoft.com/office/drawing/2014/main" id="{A928C65B-0F62-4DFC-9220-DF40E5958238}"/>
                   </a:ext>
                 </a:extLst>
               </p:cNvPr>
@@ -19587,7 +19629,7 @@
               <p:cNvPr id="13" name="직선 연결선 12">
                 <a:extLst>
                   <a:ext uri="{FF2B5EF4-FFF2-40B4-BE49-F238E27FC236}">
-                    <a16:creationId xmlns="" xmlns:a16="http://schemas.microsoft.com/office/drawing/2014/main" id="{D15E6F92-B9C8-4563-8C4E-646F583209B9}"/>
+                    <a16:creationId xmlns:a16="http://schemas.microsoft.com/office/drawing/2014/main" id="{D15E6F92-B9C8-4563-8C4E-646F583209B9}"/>
                   </a:ext>
                 </a:extLst>
               </p:cNvPr>
@@ -19927,11 +19969,7 @@
             </a:pPr>
             <a:r>
               <a:rPr lang="ko-KR" altLang="en-US" sz="1600" dirty="0" smtClean="0"/>
-              <a:t>클래스 형 </a:t>
-            </a:r>
-            <a:r>
-              <a:rPr lang="ko-KR" altLang="en-US" sz="1600" dirty="0" smtClean="0"/>
-              <a:t>변환과 </a:t>
+              <a:t>클래스 형 변환과 </a:t>
             </a:r>
             <a:r>
               <a:rPr lang="ko-KR" altLang="en-US" sz="1600" dirty="0" err="1" smtClean="0"/>
@@ -20125,7 +20163,7 @@
             <p:cNvPr id="46" name="이등변 삼각형 45">
               <a:extLst>
                 <a:ext uri="{FF2B5EF4-FFF2-40B4-BE49-F238E27FC236}">
-                  <a16:creationId xmlns="" xmlns:a16="http://schemas.microsoft.com/office/drawing/2014/main" id="{A928C65B-0F62-4DFC-9220-DF40E5958238}"/>
+                  <a16:creationId xmlns:a16="http://schemas.microsoft.com/office/drawing/2014/main" id="{A928C65B-0F62-4DFC-9220-DF40E5958238}"/>
                 </a:ext>
               </a:extLst>
             </p:cNvPr>
@@ -20169,7 +20207,7 @@
             <p:cNvPr id="47" name="직선 연결선 46">
               <a:extLst>
                 <a:ext uri="{FF2B5EF4-FFF2-40B4-BE49-F238E27FC236}">
-                  <a16:creationId xmlns="" xmlns:a16="http://schemas.microsoft.com/office/drawing/2014/main" id="{D15E6F92-B9C8-4563-8C4E-646F583209B9}"/>
+                  <a16:creationId xmlns:a16="http://schemas.microsoft.com/office/drawing/2014/main" id="{D15E6F92-B9C8-4563-8C4E-646F583209B9}"/>
                 </a:ext>
               </a:extLst>
             </p:cNvPr>
@@ -20736,7 +20774,7 @@
           <p:cNvPr id="7" name="내용 개체 틀 2">
             <a:extLst>
               <a:ext uri="{FF2B5EF4-FFF2-40B4-BE49-F238E27FC236}">
-                <a16:creationId xmlns="" xmlns:a16="http://schemas.microsoft.com/office/drawing/2014/main" id="{98AF3A4E-7D90-4241-89FE-799D6F9D5A94}"/>
+                <a16:creationId xmlns:a16="http://schemas.microsoft.com/office/drawing/2014/main" id="{98AF3A4E-7D90-4241-89FE-799D6F9D5A94}"/>
               </a:ext>
             </a:extLst>
           </p:cNvPr>
@@ -21192,7 +21230,7 @@
           <p:cNvPr id="22" name="그룹 21">
             <a:extLst>
               <a:ext uri="{FF2B5EF4-FFF2-40B4-BE49-F238E27FC236}">
-                <a16:creationId xmlns:a16="http://schemas.microsoft.com/office/drawing/2014/main" xmlns="" id="{106C641F-1CDB-4B8D-B46C-A221C6864735}"/>
+                <a16:creationId xmlns:a16="http://schemas.microsoft.com/office/drawing/2014/main" id="{106C641F-1CDB-4B8D-B46C-A221C6864735}"/>
               </a:ext>
             </a:extLst>
           </p:cNvPr>
@@ -21212,7 +21250,7 @@
             <p:cNvPr id="23" name="이등변 삼각형 22">
               <a:extLst>
                 <a:ext uri="{FF2B5EF4-FFF2-40B4-BE49-F238E27FC236}">
-                  <a16:creationId xmlns:a16="http://schemas.microsoft.com/office/drawing/2014/main" xmlns="" id="{A928C65B-0F62-4DFC-9220-DF40E5958238}"/>
+                  <a16:creationId xmlns:a16="http://schemas.microsoft.com/office/drawing/2014/main" id="{A928C65B-0F62-4DFC-9220-DF40E5958238}"/>
                 </a:ext>
               </a:extLst>
             </p:cNvPr>
@@ -21259,7 +21297,7 @@
             <p:cNvPr id="24" name="직선 연결선 23">
               <a:extLst>
                 <a:ext uri="{FF2B5EF4-FFF2-40B4-BE49-F238E27FC236}">
-                  <a16:creationId xmlns:a16="http://schemas.microsoft.com/office/drawing/2014/main" xmlns="" id="{D15E6F92-B9C8-4563-8C4E-646F583209B9}"/>
+                  <a16:creationId xmlns:a16="http://schemas.microsoft.com/office/drawing/2014/main" id="{D15E6F92-B9C8-4563-8C4E-646F583209B9}"/>
                 </a:ext>
               </a:extLst>
             </p:cNvPr>
@@ -22546,7 +22584,7 @@
           <p:cNvPr id="7" name="내용 개체 틀 2">
             <a:extLst>
               <a:ext uri="{FF2B5EF4-FFF2-40B4-BE49-F238E27FC236}">
-                <a16:creationId xmlns:a16="http://schemas.microsoft.com/office/drawing/2014/main" xmlns="" id="{98AF3A4E-7D90-4241-89FE-799D6F9D5A94}"/>
+                <a16:creationId xmlns:a16="http://schemas.microsoft.com/office/drawing/2014/main" id="{98AF3A4E-7D90-4241-89FE-799D6F9D5A94}"/>
               </a:ext>
             </a:extLst>
           </p:cNvPr>
@@ -22925,7 +22963,7 @@
             <p:cNvPr id="23" name="이등변 삼각형 22">
               <a:extLst>
                 <a:ext uri="{FF2B5EF4-FFF2-40B4-BE49-F238E27FC236}">
-                  <a16:creationId xmlns="" xmlns:a16="http://schemas.microsoft.com/office/drawing/2014/main" id="{A928C65B-0F62-4DFC-9220-DF40E5958238}"/>
+                  <a16:creationId xmlns:a16="http://schemas.microsoft.com/office/drawing/2014/main" id="{A928C65B-0F62-4DFC-9220-DF40E5958238}"/>
                 </a:ext>
               </a:extLst>
             </p:cNvPr>
@@ -22969,7 +23007,7 @@
             <p:cNvPr id="24" name="직선 연결선 23">
               <a:extLst>
                 <a:ext uri="{FF2B5EF4-FFF2-40B4-BE49-F238E27FC236}">
-                  <a16:creationId xmlns="" xmlns:a16="http://schemas.microsoft.com/office/drawing/2014/main" id="{D15E6F92-B9C8-4563-8C4E-646F583209B9}"/>
+                  <a16:creationId xmlns:a16="http://schemas.microsoft.com/office/drawing/2014/main" id="{D15E6F92-B9C8-4563-8C4E-646F583209B9}"/>
                 </a:ext>
               </a:extLst>
             </p:cNvPr>
@@ -23735,7 +23773,7 @@
           <p:cNvPr id="7" name="내용 개체 틀 2">
             <a:extLst>
               <a:ext uri="{FF2B5EF4-FFF2-40B4-BE49-F238E27FC236}">
-                <a16:creationId xmlns:a16="http://schemas.microsoft.com/office/drawing/2014/main" xmlns="" id="{98AF3A4E-7D90-4241-89FE-799D6F9D5A94}"/>
+                <a16:creationId xmlns:a16="http://schemas.microsoft.com/office/drawing/2014/main" id="{98AF3A4E-7D90-4241-89FE-799D6F9D5A94}"/>
               </a:ext>
             </a:extLst>
           </p:cNvPr>
@@ -24091,7 +24129,7 @@
           <p:cNvPr id="7" name="내용 개체 틀 2">
             <a:extLst>
               <a:ext uri="{FF2B5EF4-FFF2-40B4-BE49-F238E27FC236}">
-                <a16:creationId xmlns:a16="http://schemas.microsoft.com/office/drawing/2014/main" xmlns="" id="{98AF3A4E-7D90-4241-89FE-799D6F9D5A94}"/>
+                <a16:creationId xmlns:a16="http://schemas.microsoft.com/office/drawing/2014/main" id="{98AF3A4E-7D90-4241-89FE-799D6F9D5A94}"/>
               </a:ext>
             </a:extLst>
           </p:cNvPr>
@@ -24484,7 +24522,7 @@
           <p:cNvPr id="7" name="내용 개체 틀 2">
             <a:extLst>
               <a:ext uri="{FF2B5EF4-FFF2-40B4-BE49-F238E27FC236}">
-                <a16:creationId xmlns:a16="http://schemas.microsoft.com/office/drawing/2014/main" xmlns="" id="{98AF3A4E-7D90-4241-89FE-799D6F9D5A94}"/>
+                <a16:creationId xmlns:a16="http://schemas.microsoft.com/office/drawing/2014/main" id="{98AF3A4E-7D90-4241-89FE-799D6F9D5A94}"/>
               </a:ext>
             </a:extLst>
           </p:cNvPr>
@@ -24840,7 +24878,7 @@
           <p:cNvPr id="7" name="내용 개체 틀 2">
             <a:extLst>
               <a:ext uri="{FF2B5EF4-FFF2-40B4-BE49-F238E27FC236}">
-                <a16:creationId xmlns:a16="http://schemas.microsoft.com/office/drawing/2014/main" xmlns="" id="{98AF3A4E-7D90-4241-89FE-799D6F9D5A94}"/>
+                <a16:creationId xmlns:a16="http://schemas.microsoft.com/office/drawing/2014/main" id="{98AF3A4E-7D90-4241-89FE-799D6F9D5A94}"/>
               </a:ext>
             </a:extLst>
           </p:cNvPr>
@@ -25465,7 +25503,7 @@
               <p:cNvPr id="12" name="이등변 삼각형 11">
                 <a:extLst>
                   <a:ext uri="{FF2B5EF4-FFF2-40B4-BE49-F238E27FC236}">
-                    <a16:creationId xmlns="" xmlns:a16="http://schemas.microsoft.com/office/drawing/2014/main" id="{A928C65B-0F62-4DFC-9220-DF40E5958238}"/>
+                    <a16:creationId xmlns:a16="http://schemas.microsoft.com/office/drawing/2014/main" id="{A928C65B-0F62-4DFC-9220-DF40E5958238}"/>
                   </a:ext>
                 </a:extLst>
               </p:cNvPr>
@@ -25509,7 +25547,7 @@
               <p:cNvPr id="13" name="직선 연결선 12">
                 <a:extLst>
                   <a:ext uri="{FF2B5EF4-FFF2-40B4-BE49-F238E27FC236}">
-                    <a16:creationId xmlns="" xmlns:a16="http://schemas.microsoft.com/office/drawing/2014/main" id="{D15E6F92-B9C8-4563-8C4E-646F583209B9}"/>
+                    <a16:creationId xmlns:a16="http://schemas.microsoft.com/office/drawing/2014/main" id="{D15E6F92-B9C8-4563-8C4E-646F583209B9}"/>
                   </a:ext>
                 </a:extLst>
               </p:cNvPr>
@@ -25976,7 +26014,7 @@
           <p:cNvPr id="10" name="내용 개체 틀 2">
             <a:extLst>
               <a:ext uri="{FF2B5EF4-FFF2-40B4-BE49-F238E27FC236}">
-                <a16:creationId xmlns="" xmlns:a16="http://schemas.microsoft.com/office/drawing/2014/main" id="{98AF3A4E-7D90-4241-89FE-799D6F9D5A94}"/>
+                <a16:creationId xmlns:a16="http://schemas.microsoft.com/office/drawing/2014/main" id="{98AF3A4E-7D90-4241-89FE-799D6F9D5A94}"/>
               </a:ext>
             </a:extLst>
           </p:cNvPr>
@@ -26467,7 +26505,7 @@
               <p:cNvPr id="33" name="이등변 삼각형 32">
                 <a:extLst>
                   <a:ext uri="{FF2B5EF4-FFF2-40B4-BE49-F238E27FC236}">
-                    <a16:creationId xmlns:a16="http://schemas.microsoft.com/office/drawing/2014/main" xmlns="" id="{A928C65B-0F62-4DFC-9220-DF40E5958238}"/>
+                    <a16:creationId xmlns:a16="http://schemas.microsoft.com/office/drawing/2014/main" id="{A928C65B-0F62-4DFC-9220-DF40E5958238}"/>
                   </a:ext>
                 </a:extLst>
               </p:cNvPr>
@@ -26511,7 +26549,7 @@
               <p:cNvPr id="34" name="직선 연결선 33">
                 <a:extLst>
                   <a:ext uri="{FF2B5EF4-FFF2-40B4-BE49-F238E27FC236}">
-                    <a16:creationId xmlns:a16="http://schemas.microsoft.com/office/drawing/2014/main" xmlns="" id="{D15E6F92-B9C8-4563-8C4E-646F583209B9}"/>
+                    <a16:creationId xmlns:a16="http://schemas.microsoft.com/office/drawing/2014/main" id="{D15E6F92-B9C8-4563-8C4E-646F583209B9}"/>
                   </a:ext>
                 </a:extLst>
               </p:cNvPr>
@@ -27667,11 +27705,7 @@
             </a:r>
             <a:r>
               <a:rPr lang="en-US" altLang="ko-KR" sz="1600" dirty="0" smtClean="0"/>
-              <a:t> </a:t>
-            </a:r>
-            <a:r>
-              <a:rPr lang="en-US" altLang="ko-KR" sz="1600" dirty="0" smtClean="0"/>
-              <a:t> </a:t>
+              <a:t>  </a:t>
             </a:r>
             <a:r>
               <a:rPr lang="ko-KR" altLang="en-US" sz="1600" dirty="0" err="1" smtClean="0"/>
@@ -27679,11 +27713,7 @@
             </a:r>
             <a:r>
               <a:rPr lang="ko-KR" altLang="en-US" sz="1600" dirty="0" smtClean="0"/>
-              <a:t> </a:t>
-            </a:r>
-            <a:r>
-              <a:rPr lang="ko-KR" altLang="en-US" sz="1600" dirty="0" smtClean="0"/>
-              <a:t>사용</a:t>
+              <a:t> 사용</a:t>
             </a:r>
             <a:endParaRPr lang="en-US" altLang="ko-KR" sz="1600" dirty="0" smtClean="0"/>
           </a:p>
@@ -28201,7 +28231,6 @@
               <a:rPr lang="ko-KR" altLang="en-US" dirty="0"/>
               <a:t>강제 타입 변환</a:t>
             </a:r>
-            <a:endParaRPr lang="ko-KR" altLang="en-US" dirty="0"/>
           </a:p>
         </p:txBody>
       </p:sp>
@@ -28282,15 +28311,7 @@
                   <a:srgbClr val="C00000"/>
                 </a:solidFill>
               </a:rPr>
-              <a:t> </a:t>
-            </a:r>
-            <a:r>
-              <a:rPr lang="ko-KR" altLang="en-US" b="1" dirty="0" smtClean="0">
-                <a:solidFill>
-                  <a:srgbClr val="C00000"/>
-                </a:solidFill>
-              </a:rPr>
-              <a:t>사용 예제</a:t>
+              <a:t> 사용 예제</a:t>
             </a:r>
             <a:endParaRPr lang="en-US" altLang="ko-KR" b="1" dirty="0" smtClean="0">
               <a:solidFill>
@@ -28433,7 +28454,6 @@
               <a:rPr lang="ko-KR" altLang="en-US" dirty="0"/>
               <a:t>강제 타입 변환</a:t>
             </a:r>
-            <a:endParaRPr lang="ko-KR" altLang="en-US" dirty="0"/>
           </a:p>
         </p:txBody>
       </p:sp>
@@ -28562,7 +28582,6 @@
               <a:rPr lang="ko-KR" altLang="en-US" dirty="0"/>
               <a:t>강제 타입 변환</a:t>
             </a:r>
-            <a:endParaRPr lang="ko-KR" altLang="en-US" dirty="0"/>
           </a:p>
         </p:txBody>
       </p:sp>
@@ -28691,7 +28710,6 @@
               <a:rPr lang="ko-KR" altLang="en-US" dirty="0"/>
               <a:t>강제 타입 변환</a:t>
             </a:r>
-            <a:endParaRPr lang="ko-KR" altLang="en-US" dirty="0"/>
           </a:p>
         </p:txBody>
       </p:sp>
@@ -28861,7 +28879,7 @@
           <p:cNvPr id="10" name="내용 개체 틀 2">
             <a:extLst>
               <a:ext uri="{FF2B5EF4-FFF2-40B4-BE49-F238E27FC236}">
-                <a16:creationId xmlns="" xmlns:a16="http://schemas.microsoft.com/office/drawing/2014/main" id="{98AF3A4E-7D90-4241-89FE-799D6F9D5A94}"/>
+                <a16:creationId xmlns:a16="http://schemas.microsoft.com/office/drawing/2014/main" id="{98AF3A4E-7D90-4241-89FE-799D6F9D5A94}"/>
               </a:ext>
             </a:extLst>
           </p:cNvPr>
@@ -29280,7 +29298,7 @@
           <p:cNvPr id="10" name="내용 개체 틀 2">
             <a:extLst>
               <a:ext uri="{FF2B5EF4-FFF2-40B4-BE49-F238E27FC236}">
-                <a16:creationId xmlns="" xmlns:a16="http://schemas.microsoft.com/office/drawing/2014/main" id="{98AF3A4E-7D90-4241-89FE-799D6F9D5A94}"/>
+                <a16:creationId xmlns:a16="http://schemas.microsoft.com/office/drawing/2014/main" id="{98AF3A4E-7D90-4241-89FE-799D6F9D5A94}"/>
               </a:ext>
             </a:extLst>
           </p:cNvPr>
@@ -29835,7 +29853,7 @@
           <p:cNvPr id="10" name="내용 개체 틀 2">
             <a:extLst>
               <a:ext uri="{FF2B5EF4-FFF2-40B4-BE49-F238E27FC236}">
-                <a16:creationId xmlns="" xmlns:a16="http://schemas.microsoft.com/office/drawing/2014/main" id="{98AF3A4E-7D90-4241-89FE-799D6F9D5A94}"/>
+                <a16:creationId xmlns:a16="http://schemas.microsoft.com/office/drawing/2014/main" id="{98AF3A4E-7D90-4241-89FE-799D6F9D5A94}"/>
               </a:ext>
             </a:extLst>
           </p:cNvPr>
@@ -30206,7 +30224,7 @@
           <p:cNvPr id="10" name="내용 개체 틀 2">
             <a:extLst>
               <a:ext uri="{FF2B5EF4-FFF2-40B4-BE49-F238E27FC236}">
-                <a16:creationId xmlns="" xmlns:a16="http://schemas.microsoft.com/office/drawing/2014/main" id="{98AF3A4E-7D90-4241-89FE-799D6F9D5A94}"/>
+                <a16:creationId xmlns:a16="http://schemas.microsoft.com/office/drawing/2014/main" id="{98AF3A4E-7D90-4241-89FE-799D6F9D5A94}"/>
               </a:ext>
             </a:extLst>
           </p:cNvPr>

--- a/javaWorks/자료/java_ppt/8장.상속과 다형성.pptx
+++ b/javaWorks/자료/java_ppt/8장.상속과 다형성.pptx
@@ -266,7 +266,7 @@
           <a:p>
             <a:fld id="{7665CDAC-D627-4E87-877A-1B781DD4CADC}" type="datetimeFigureOut">
               <a:rPr lang="ko-KR" altLang="en-US" smtClean="0"/>
-              <a:t>2023-05-23</a:t>
+              <a:t>2023-05-24</a:t>
             </a:fld>
             <a:endParaRPr lang="ko-KR" altLang="en-US"/>
           </a:p>
@@ -804,7 +804,7 @@
           <a:p>
             <a:fld id="{F4AC81B4-D91A-4578-85B3-829E63FCFE17}" type="datetime1">
               <a:rPr lang="ko-KR" altLang="en-US" smtClean="0"/>
-              <a:t>2023-05-23</a:t>
+              <a:t>2023-05-24</a:t>
             </a:fld>
             <a:endParaRPr lang="ko-KR" altLang="en-US"/>
           </a:p>
@@ -1179,7 +1179,7 @@
           <a:p>
             <a:fld id="{F5B77542-37E5-48F2-BAE7-80CC6B0EB6A3}" type="datetime1">
               <a:rPr lang="ko-KR" altLang="en-US" smtClean="0"/>
-              <a:t>2023-05-23</a:t>
+              <a:t>2023-05-24</a:t>
             </a:fld>
             <a:endParaRPr lang="ko-KR" altLang="en-US"/>
           </a:p>
@@ -1359,7 +1359,7 @@
           <a:p>
             <a:fld id="{227CF174-B5AC-4A98-B673-0BE8126D3F27}" type="datetime1">
               <a:rPr lang="ko-KR" altLang="en-US" smtClean="0"/>
-              <a:t>2023-05-23</a:t>
+              <a:t>2023-05-24</a:t>
             </a:fld>
             <a:endParaRPr lang="ko-KR" altLang="en-US"/>
           </a:p>
@@ -1533,7 +1533,7 @@
           <a:p>
             <a:fld id="{E20FDEC8-1339-42E8-9704-2977280C2FD3}" type="datetime1">
               <a:rPr lang="ko-KR" altLang="en-US" smtClean="0"/>
-              <a:t>2023-05-23</a:t>
+              <a:t>2023-05-24</a:t>
             </a:fld>
             <a:endParaRPr lang="ko-KR" altLang="en-US"/>
           </a:p>
@@ -1779,7 +1779,7 @@
           <a:p>
             <a:fld id="{4D18DC76-A282-4817-B790-197F054E1215}" type="datetime1">
               <a:rPr lang="ko-KR" altLang="en-US" smtClean="0"/>
-              <a:t>2023-05-23</a:t>
+              <a:t>2023-05-24</a:t>
             </a:fld>
             <a:endParaRPr lang="ko-KR" altLang="en-US"/>
           </a:p>
@@ -2067,7 +2067,7 @@
           <a:p>
             <a:fld id="{6680AA6C-13D8-43E4-90F0-E6C88A2B9F16}" type="datetime1">
               <a:rPr lang="ko-KR" altLang="en-US" smtClean="0"/>
-              <a:t>2023-05-23</a:t>
+              <a:t>2023-05-24</a:t>
             </a:fld>
             <a:endParaRPr lang="ko-KR" altLang="en-US"/>
           </a:p>
@@ -2489,7 +2489,7 @@
           <a:p>
             <a:fld id="{3EF5B03B-20CC-436E-8601-C933C6C1F4A6}" type="datetime1">
               <a:rPr lang="ko-KR" altLang="en-US" smtClean="0"/>
-              <a:t>2023-05-23</a:t>
+              <a:t>2023-05-24</a:t>
             </a:fld>
             <a:endParaRPr lang="ko-KR" altLang="en-US"/>
           </a:p>
@@ -2607,7 +2607,7 @@
           <a:p>
             <a:fld id="{87B5A15D-8B08-482F-AB47-E416EC355EB6}" type="datetime1">
               <a:rPr lang="ko-KR" altLang="en-US" smtClean="0"/>
-              <a:t>2023-05-23</a:t>
+              <a:t>2023-05-24</a:t>
             </a:fld>
             <a:endParaRPr lang="ko-KR" altLang="en-US"/>
           </a:p>
@@ -2702,7 +2702,7 @@
           <a:p>
             <a:fld id="{A877D7F8-7B64-44F8-A411-CBD22F28CBFF}" type="datetime1">
               <a:rPr lang="ko-KR" altLang="en-US" smtClean="0"/>
-              <a:t>2023-05-23</a:t>
+              <a:t>2023-05-24</a:t>
             </a:fld>
             <a:endParaRPr lang="ko-KR" altLang="en-US"/>
           </a:p>
@@ -2979,7 +2979,7 @@
           <a:p>
             <a:fld id="{E12DBD9B-2BB6-4D1F-BCB4-1E48829C93C3}" type="datetime1">
               <a:rPr lang="ko-KR" altLang="en-US" smtClean="0"/>
-              <a:t>2023-05-23</a:t>
+              <a:t>2023-05-24</a:t>
             </a:fld>
             <a:endParaRPr lang="ko-KR" altLang="en-US"/>
           </a:p>
@@ -3232,7 +3232,7 @@
           <a:p>
             <a:fld id="{17564C48-0CD7-40EB-BE64-BBF4DB8C56AF}" type="datetime1">
               <a:rPr lang="ko-KR" altLang="en-US" smtClean="0"/>
-              <a:t>2023-05-23</a:t>
+              <a:t>2023-05-24</a:t>
             </a:fld>
             <a:endParaRPr lang="ko-KR" altLang="en-US"/>
           </a:p>
@@ -3412,7 +3412,7 @@
           <a:p>
             <a:fld id="{C116BCB4-B68B-4638-8167-F4BDC0A30DA1}" type="datetime1">
               <a:rPr lang="ko-KR" altLang="en-US" smtClean="0"/>
-              <a:t>2023-05-23</a:t>
+              <a:t>2023-05-24</a:t>
             </a:fld>
             <a:endParaRPr lang="ko-KR" altLang="en-US"/>
           </a:p>
@@ -6707,8 +6707,8 @@
         </p:blipFill>
         <p:spPr>
           <a:xfrm>
-            <a:off x="1208584" y="2276872"/>
-            <a:ext cx="2334819" cy="1276855"/>
+            <a:off x="1208585" y="2276872"/>
+            <a:ext cx="2592288" cy="1417659"/>
           </a:xfrm>
           <a:prstGeom prst="rect">
             <a:avLst/>
@@ -6768,7 +6768,7 @@
         <p:spPr>
           <a:xfrm>
             <a:off x="936705" y="1156706"/>
-            <a:ext cx="7920880" cy="869790"/>
+            <a:ext cx="7920880" cy="923330"/>
           </a:xfrm>
           <a:prstGeom prst="rect">
             <a:avLst/>
@@ -6808,7 +6808,7 @@
                   <a:srgbClr val="002060"/>
                 </a:solidFill>
               </a:rPr>
-              <a:t>와 같이 접근 제한이 없지만 다른 </a:t>
+              <a:t>와 같이 접근 제한이 </a:t>
             </a:r>
             <a:r>
               <a:rPr lang="ko-KR" altLang="en-US" dirty="0" smtClean="0">
@@ -6816,15 +6816,55 @@
                   <a:srgbClr val="002060"/>
                 </a:solidFill>
               </a:rPr>
+              <a:t>없지만</a:t>
+            </a:r>
+            <a:r>
+              <a:rPr lang="en-US" altLang="ko-KR" dirty="0" smtClean="0">
+                <a:solidFill>
+                  <a:srgbClr val="002060"/>
+                </a:solidFill>
+              </a:rPr>
+              <a:t>,</a:t>
+            </a:r>
+            <a:r>
+              <a:rPr lang="ko-KR" altLang="en-US" dirty="0" smtClean="0">
+                <a:solidFill>
+                  <a:srgbClr val="002060"/>
+                </a:solidFill>
+              </a:rPr>
+              <a:t> </a:t>
+            </a:r>
+            <a:r>
+              <a:rPr lang="ko-KR" altLang="en-US" dirty="0">
+                <a:solidFill>
+                  <a:srgbClr val="002060"/>
+                </a:solidFill>
+              </a:rPr>
+              <a:t>다른 </a:t>
+            </a:r>
+            <a:r>
+              <a:rPr lang="ko-KR" altLang="en-US" dirty="0" smtClean="0">
+                <a:solidFill>
+                  <a:srgbClr val="002060"/>
+                </a:solidFill>
+              </a:rPr>
               <a:t>패키지에서는 </a:t>
             </a:r>
             <a:r>
+              <a:rPr lang="ko-KR" altLang="en-US" b="1" i="1" dirty="0">
+                <a:solidFill>
+                  <a:srgbClr val="002060"/>
+                </a:solidFill>
+              </a:rPr>
+              <a:t>자식 클래스만 접근을 허용</a:t>
+            </a:r>
+            <a:r>
               <a:rPr lang="ko-KR" altLang="en-US" dirty="0">
                 <a:solidFill>
                   <a:srgbClr val="002060"/>
                 </a:solidFill>
               </a:rPr>
-              <a:t>자식 클래스만 접근을 허용한다</a:t>
+              <a:t>한다</a:t>
             </a:r>
             <a:r>
               <a:rPr lang="en-US" altLang="ko-KR" dirty="0" smtClean="0">
@@ -6999,8 +7039,8 @@
         </p:blipFill>
         <p:spPr>
           <a:xfrm>
-            <a:off x="1033601" y="1556792"/>
-            <a:ext cx="3914420" cy="2160240"/>
+            <a:off x="992559" y="1340768"/>
+            <a:ext cx="4566823" cy="2520280"/>
           </a:xfrm>
           <a:prstGeom prst="rect">
             <a:avLst/>
@@ -7036,8 +7076,8 @@
         </p:blipFill>
         <p:spPr>
           <a:xfrm>
-            <a:off x="4664967" y="3284984"/>
-            <a:ext cx="3612193" cy="2461473"/>
+            <a:off x="4605152" y="3212976"/>
+            <a:ext cx="4226848" cy="2880320"/>
           </a:xfrm>
           <a:prstGeom prst="rect">
             <a:avLst/>
@@ -7806,7 +7846,7 @@
       </p:sp>
       <p:pic>
         <p:nvPicPr>
-          <p:cNvPr id="4" name="그림 3"/>
+          <p:cNvPr id="2" name="그림 1"/>
           <p:cNvPicPr>
             <a:picLocks noChangeAspect="1"/>
           </p:cNvPicPr>
@@ -7826,8 +7866,8 @@
         </p:blipFill>
         <p:spPr>
           <a:xfrm>
-            <a:off x="4736975" y="3325852"/>
-            <a:ext cx="4120610" cy="1399291"/>
+            <a:off x="4664968" y="3177891"/>
+            <a:ext cx="4343776" cy="1714649"/>
           </a:xfrm>
           <a:prstGeom prst="rect">
             <a:avLst/>
@@ -8636,7 +8676,7 @@
       </p:sp>
       <p:pic>
         <p:nvPicPr>
-          <p:cNvPr id="3" name="그림 2"/>
+          <p:cNvPr id="2" name="그림 1"/>
           <p:cNvPicPr>
             <a:picLocks noChangeAspect="1"/>
           </p:cNvPicPr>
@@ -8656,8 +8696,8 @@
         </p:blipFill>
         <p:spPr>
           <a:xfrm>
-            <a:off x="1514617" y="1556792"/>
-            <a:ext cx="7254807" cy="4464496"/>
+            <a:off x="1496616" y="1556792"/>
+            <a:ext cx="6198814" cy="4650703"/>
           </a:xfrm>
           <a:prstGeom prst="rect">
             <a:avLst/>
@@ -21764,7 +21804,7 @@
       </p:sp>
       <p:pic>
         <p:nvPicPr>
-          <p:cNvPr id="4" name="그림 3"/>
+          <p:cNvPr id="2" name="그림 1"/>
           <p:cNvPicPr>
             <a:picLocks noChangeAspect="1"/>
           </p:cNvPicPr>
@@ -21784,8 +21824,8 @@
         </p:blipFill>
         <p:spPr>
           <a:xfrm>
-            <a:off x="1424608" y="1556792"/>
-            <a:ext cx="6016152" cy="2520280"/>
+            <a:off x="1568625" y="1556792"/>
+            <a:ext cx="6192688" cy="3557501"/>
           </a:xfrm>
           <a:prstGeom prst="rect">
             <a:avLst/>
@@ -28323,7 +28363,7 @@
       </p:sp>
       <p:pic>
         <p:nvPicPr>
-          <p:cNvPr id="3" name="그림 2"/>
+          <p:cNvPr id="2" name="그림 1"/>
           <p:cNvPicPr>
             <a:picLocks noChangeAspect="1"/>
           </p:cNvPicPr>
@@ -28343,44 +28383,8 @@
         </p:blipFill>
         <p:spPr>
           <a:xfrm>
-            <a:off x="1016563" y="1700808"/>
-            <a:ext cx="3204276" cy="1717756"/>
-          </a:xfrm>
-          <a:prstGeom prst="rect">
-            <a:avLst/>
-          </a:prstGeom>
-          <a:ln>
-            <a:solidFill>
-              <a:schemeClr val="bg1">
-                <a:lumMod val="85000"/>
-              </a:schemeClr>
-            </a:solidFill>
-          </a:ln>
-        </p:spPr>
-      </p:pic>
-      <p:pic>
-        <p:nvPicPr>
-          <p:cNvPr id="9" name="그림 8"/>
-          <p:cNvPicPr>
-            <a:picLocks noChangeAspect="1"/>
-          </p:cNvPicPr>
-          <p:nvPr/>
-        </p:nvPicPr>
-        <p:blipFill rotWithShape="1">
-          <a:blip r:embed="rId3">
-            <a:extLst>
-              <a:ext uri="{28A0092B-C50C-407E-A947-70E740481C1C}">
-                <a14:useLocalDpi xmlns:a14="http://schemas.microsoft.com/office/drawing/2010/main" val="0"/>
-              </a:ext>
-            </a:extLst>
-          </a:blip>
-          <a:srcRect r="5411"/>
-          <a:stretch/>
-        </p:blipFill>
-        <p:spPr>
-          <a:xfrm>
-            <a:off x="4405401" y="1682552"/>
-            <a:ext cx="4692623" cy="3970364"/>
+            <a:off x="1640632" y="1747743"/>
+            <a:ext cx="5383724" cy="4240888"/>
           </a:xfrm>
           <a:prstGeom prst="rect">
             <a:avLst/>
@@ -28487,7 +28491,7 @@
       </p:sp>
       <p:pic>
         <p:nvPicPr>
-          <p:cNvPr id="9" name="그림 8"/>
+          <p:cNvPr id="2" name="그림 1"/>
           <p:cNvPicPr>
             <a:picLocks noChangeAspect="1"/>
           </p:cNvPicPr>
@@ -28507,8 +28511,8 @@
         </p:blipFill>
         <p:spPr>
           <a:xfrm>
-            <a:off x="1712640" y="1484784"/>
-            <a:ext cx="5951736" cy="3619814"/>
+            <a:off x="1712640" y="1196752"/>
+            <a:ext cx="6027942" cy="4694327"/>
           </a:xfrm>
           <a:prstGeom prst="rect">
             <a:avLst/>
@@ -28615,7 +28619,7 @@
       </p:sp>
       <p:pic>
         <p:nvPicPr>
-          <p:cNvPr id="2" name="그림 1"/>
+          <p:cNvPr id="3" name="그림 2"/>
           <p:cNvPicPr>
             <a:picLocks noChangeAspect="1"/>
           </p:cNvPicPr>
@@ -28635,8 +28639,8 @@
         </p:blipFill>
         <p:spPr>
           <a:xfrm>
-            <a:off x="1424608" y="1412776"/>
-            <a:ext cx="7020996" cy="3888432"/>
+            <a:off x="990256" y="971337"/>
+            <a:ext cx="7925487" cy="4915326"/>
           </a:xfrm>
           <a:prstGeom prst="rect">
             <a:avLst/>
@@ -28743,7 +28747,7 @@
       </p:sp>
       <p:pic>
         <p:nvPicPr>
-          <p:cNvPr id="7" name="그림 6"/>
+          <p:cNvPr id="2" name="그림 1"/>
           <p:cNvPicPr>
             <a:picLocks noChangeAspect="1"/>
           </p:cNvPicPr>
@@ -28763,8 +28767,8 @@
         </p:blipFill>
         <p:spPr>
           <a:xfrm>
-            <a:off x="1632586" y="1412776"/>
-            <a:ext cx="6302287" cy="4206605"/>
+            <a:off x="1496616" y="1124744"/>
+            <a:ext cx="6683319" cy="4915326"/>
           </a:xfrm>
           <a:prstGeom prst="rect">
             <a:avLst/>
